--- a/Presentation epcf (1).pptx
+++ b/Presentation epcf (1).pptx
@@ -709,7 +709,7 @@
           <a:p>
             <a:fld id="{E0D90321-2C3F-4AF6-B762-32E89DF31627}" type="datetimeFigureOut">
               <a:rPr lang="en-GB" smtClean="0"/>
-              <a:t>16/06/2023</a:t>
+              <a:t>09/05/2024</a:t>
             </a:fld>
             <a:endParaRPr lang="en-GB"/>
           </a:p>
@@ -6692,11 +6692,10 @@
           <a:bodyPr/>
           <a:lstStyle/>
           <a:p>
-            <a:fld id="{960BBD63-33EB-4877-8EAC-B91287317711}" type="datetime1">
-              <a:rPr lang="en-GB" smtClean="0"/>
-              <a:t>16/06/2023</a:t>
-            </a:fld>
-            <a:endParaRPr lang="en-GB"/>
+            <a:r>
+              <a:rPr lang="en-GB" dirty="0"/>
+              <a:t>16/05/2024</a:t>
+            </a:r>
           </a:p>
         </p:txBody>
       </p:sp>
@@ -6911,11 +6910,10 @@
           <a:bodyPr/>
           <a:lstStyle/>
           <a:p>
-            <a:fld id="{C287AB7E-C6FF-471B-85A1-A5C27330C23A}" type="datetime1">
-              <a:rPr lang="en-GB" smtClean="0"/>
-              <a:t>16/06/2023</a:t>
-            </a:fld>
-            <a:endParaRPr lang="en-GB"/>
+            <a:r>
+              <a:rPr lang="en-GB" dirty="0"/>
+              <a:t>16/05/2024</a:t>
+            </a:r>
           </a:p>
         </p:txBody>
       </p:sp>
@@ -7130,11 +7128,10 @@
           <a:bodyPr/>
           <a:lstStyle/>
           <a:p>
-            <a:fld id="{F1CD4164-3215-41C6-AF44-2D3F069E0207}" type="datetime1">
-              <a:rPr lang="en-GB" smtClean="0"/>
-              <a:t>16/06/2023</a:t>
-            </a:fld>
-            <a:endParaRPr lang="en-GB"/>
+            <a:r>
+              <a:rPr lang="en-GB" dirty="0"/>
+              <a:t>16/05/2024</a:t>
+            </a:r>
           </a:p>
         </p:txBody>
       </p:sp>
@@ -7349,11 +7346,10 @@
           <a:bodyPr/>
           <a:lstStyle/>
           <a:p>
-            <a:fld id="{E70E26D0-32BC-4332-8D83-BDD15EE3EF3C}" type="datetime1">
-              <a:rPr lang="en-GB" smtClean="0"/>
-              <a:t>16/06/2023</a:t>
-            </a:fld>
-            <a:endParaRPr lang="en-GB"/>
+            <a:r>
+              <a:rPr lang="en-GB" dirty="0"/>
+              <a:t>16/05/2024</a:t>
+            </a:r>
           </a:p>
         </p:txBody>
       </p:sp>
@@ -7634,11 +7630,10 @@
           <a:bodyPr/>
           <a:lstStyle/>
           <a:p>
-            <a:fld id="{51FA4ED4-F8E2-4BCD-B9E5-122C39FD763A}" type="datetime1">
-              <a:rPr lang="en-GB" smtClean="0"/>
-              <a:t>16/06/2023</a:t>
-            </a:fld>
-            <a:endParaRPr lang="en-GB"/>
+            <a:r>
+              <a:rPr lang="en-GB" dirty="0"/>
+              <a:t>16/05/2024</a:t>
+            </a:r>
           </a:p>
         </p:txBody>
       </p:sp>
@@ -7919,11 +7914,10 @@
           <a:bodyPr/>
           <a:lstStyle/>
           <a:p>
-            <a:fld id="{E1EB425A-1A3B-4908-B28E-E2F0B5742D22}" type="datetime1">
-              <a:rPr lang="en-GB" smtClean="0"/>
-              <a:t>16/06/2023</a:t>
-            </a:fld>
-            <a:endParaRPr lang="en-GB"/>
+            <a:r>
+              <a:rPr lang="en-GB" dirty="0"/>
+              <a:t>16/05/2024</a:t>
+            </a:r>
           </a:p>
         </p:txBody>
       </p:sp>
@@ -8352,11 +8346,10 @@
           <a:bodyPr/>
           <a:lstStyle/>
           <a:p>
-            <a:fld id="{560C624A-2055-4F7C-A4A8-0CA960627AC1}" type="datetime1">
-              <a:rPr lang="en-GB" smtClean="0"/>
-              <a:t>16/06/2023</a:t>
-            </a:fld>
-            <a:endParaRPr lang="en-GB"/>
+            <a:r>
+              <a:rPr lang="en-GB" dirty="0"/>
+              <a:t>16/05/2024</a:t>
+            </a:r>
           </a:p>
         </p:txBody>
       </p:sp>
@@ -8505,11 +8498,10 @@
           <a:bodyPr/>
           <a:lstStyle/>
           <a:p>
-            <a:fld id="{95246DA4-58B1-4838-8CB9-9C7A0E05DAE1}" type="datetime1">
-              <a:rPr lang="en-GB" smtClean="0"/>
-              <a:t>16/06/2023</a:t>
-            </a:fld>
-            <a:endParaRPr lang="en-GB"/>
+            <a:r>
+              <a:rPr lang="en-GB" dirty="0"/>
+              <a:t>16/05/2024</a:t>
+            </a:r>
           </a:p>
         </p:txBody>
       </p:sp>
@@ -8621,11 +8613,10 @@
           <a:bodyPr/>
           <a:lstStyle/>
           <a:p>
-            <a:fld id="{A36A9A56-3A76-4B35-A660-FC207778DF91}" type="datetime1">
-              <a:rPr lang="en-GB" smtClean="0"/>
-              <a:t>16/06/2023</a:t>
-            </a:fld>
-            <a:endParaRPr lang="en-GB"/>
+            <a:r>
+              <a:rPr lang="en-GB" dirty="0"/>
+              <a:t>16/05/2024</a:t>
+            </a:r>
           </a:p>
         </p:txBody>
       </p:sp>
@@ -8946,11 +8937,10 @@
           <a:bodyPr/>
           <a:lstStyle/>
           <a:p>
-            <a:fld id="{6B699C9A-B8FF-475D-85AD-6D751DF9F3BA}" type="datetime1">
-              <a:rPr lang="en-GB" smtClean="0"/>
-              <a:t>16/06/2023</a:t>
-            </a:fld>
-            <a:endParaRPr lang="en-GB"/>
+            <a:r>
+              <a:rPr lang="en-GB" dirty="0"/>
+              <a:t>16/05/2024</a:t>
+            </a:r>
           </a:p>
         </p:txBody>
       </p:sp>
@@ -9247,11 +9237,10 @@
           <a:bodyPr/>
           <a:lstStyle/>
           <a:p>
-            <a:fld id="{67C26DDE-D1E5-495D-A568-4855F1FCFDB4}" type="datetime1">
-              <a:rPr lang="en-GB" smtClean="0"/>
-              <a:t>16/06/2023</a:t>
-            </a:fld>
-            <a:endParaRPr lang="en-GB"/>
+            <a:r>
+              <a:rPr lang="en-GB" dirty="0"/>
+              <a:t>16/05/2024</a:t>
+            </a:r>
           </a:p>
         </p:txBody>
       </p:sp>
@@ -9386,11 +9375,10 @@
             </a:lvl1pPr>
           </a:lstStyle>
           <a:p>
-            <a:fld id="{10663374-1F58-467E-9230-6DF1E3BF971D}" type="datetime1">
-              <a:rPr lang="en-GB" smtClean="0"/>
-              <a:t>16/06/2023</a:t>
-            </a:fld>
-            <a:endParaRPr lang="en-GB"/>
+            <a:r>
+              <a:rPr lang="en-GB" dirty="0"/>
+              <a:t>16/05/2024</a:t>
+            </a:r>
           </a:p>
         </p:txBody>
       </p:sp>
@@ -9583,8 +9571,8 @@
         </p:nvSpPr>
         <p:spPr>
           <a:xfrm>
-            <a:off x="3099121" y="130978"/>
-            <a:ext cx="5993757" cy="1077218"/>
+            <a:off x="3623469" y="130978"/>
+            <a:ext cx="4945072" cy="1077218"/>
           </a:xfrm>
           <a:prstGeom prst="rect">
             <a:avLst/>
@@ -9624,7 +9612,7 @@
                 <a:ea typeface="Calibri" panose="020F0502020204030204" pitchFamily="34" charset="0"/>
                 <a:cs typeface="Arial" panose="020B0604020202020204" pitchFamily="34" charset="0"/>
               </a:rPr>
-              <a:t>Maintenance du parc informatique</a:t>
+              <a:t>Présentation du titre de CDA</a:t>
             </a:r>
             <a:endParaRPr lang="en-GB" sz="3200" dirty="0">
               <a:solidFill>
